--- a/docs/pres.pptx
+++ b/docs/pres.pptx
@@ -7,6 +7,8 @@
   <p:sldIdLst>
     <p:sldId id="256" r:id="rId2"/>
     <p:sldId id="257" r:id="rId3"/>
+    <p:sldId id="258" r:id="rId4"/>
+    <p:sldId id="259" r:id="rId5"/>
   </p:sldIdLst>
   <p:sldSz cx="12192000" cy="6858000"/>
   <p:notesSz cx="6858000" cy="9144000"/>
@@ -105,6 +107,11 @@
       </a:defRPr>
     </a:lvl9pPr>
   </p:defaultTextStyle>
+  <p:extLst>
+    <p:ext uri="{EFAFB233-063F-42B5-8137-9DF3F51BA10A}">
+      <p15:sldGuideLst xmlns:p15="http://schemas.microsoft.com/office/powerpoint/2012/main"/>
+    </p:ext>
+  </p:extLst>
 </p:presentation>
 </file>
 
@@ -830,7 +837,7 @@
           <a:p>
             <a:fld id="{0675EEA7-623D-427D-91C8-C2125ACECAC0}" type="datetimeFigureOut">
               <a:rPr lang="ru-RU" smtClean="0"/>
-              <a:t>17.01.2022</a:t>
+              <a:t>26.02.2022</a:t>
             </a:fld>
             <a:endParaRPr lang="ru-RU"/>
           </a:p>
@@ -1081,7 +1088,7 @@
           <a:p>
             <a:fld id="{0675EEA7-623D-427D-91C8-C2125ACECAC0}" type="datetimeFigureOut">
               <a:rPr lang="ru-RU" smtClean="0"/>
-              <a:t>17.01.2022</a:t>
+              <a:t>26.02.2022</a:t>
             </a:fld>
             <a:endParaRPr lang="ru-RU"/>
           </a:p>
@@ -1395,7 +1402,7 @@
           <a:p>
             <a:fld id="{0675EEA7-623D-427D-91C8-C2125ACECAC0}" type="datetimeFigureOut">
               <a:rPr lang="ru-RU" smtClean="0"/>
-              <a:t>17.01.2022</a:t>
+              <a:t>26.02.2022</a:t>
             </a:fld>
             <a:endParaRPr lang="ru-RU"/>
           </a:p>
@@ -1736,7 +1743,7 @@
           <a:p>
             <a:fld id="{0675EEA7-623D-427D-91C8-C2125ACECAC0}" type="datetimeFigureOut">
               <a:rPr lang="ru-RU" smtClean="0"/>
-              <a:t>17.01.2022</a:t>
+              <a:t>26.02.2022</a:t>
             </a:fld>
             <a:endParaRPr lang="ru-RU"/>
           </a:p>
@@ -2050,7 +2057,7 @@
           <a:p>
             <a:fld id="{0675EEA7-623D-427D-91C8-C2125ACECAC0}" type="datetimeFigureOut">
               <a:rPr lang="ru-RU" smtClean="0"/>
-              <a:t>17.01.2022</a:t>
+              <a:t>26.02.2022</a:t>
             </a:fld>
             <a:endParaRPr lang="ru-RU"/>
           </a:p>
@@ -2443,7 +2450,7 @@
           <a:p>
             <a:fld id="{0675EEA7-623D-427D-91C8-C2125ACECAC0}" type="datetimeFigureOut">
               <a:rPr lang="ru-RU" smtClean="0"/>
-              <a:t>17.01.2022</a:t>
+              <a:t>26.02.2022</a:t>
             </a:fld>
             <a:endParaRPr lang="ru-RU"/>
           </a:p>
@@ -2613,7 +2620,7 @@
           <a:p>
             <a:fld id="{0675EEA7-623D-427D-91C8-C2125ACECAC0}" type="datetimeFigureOut">
               <a:rPr lang="ru-RU" smtClean="0"/>
-              <a:t>17.01.2022</a:t>
+              <a:t>26.02.2022</a:t>
             </a:fld>
             <a:endParaRPr lang="ru-RU"/>
           </a:p>
@@ -2793,7 +2800,7 @@
           <a:p>
             <a:fld id="{0675EEA7-623D-427D-91C8-C2125ACECAC0}" type="datetimeFigureOut">
               <a:rPr lang="ru-RU" smtClean="0"/>
-              <a:t>17.01.2022</a:t>
+              <a:t>26.02.2022</a:t>
             </a:fld>
             <a:endParaRPr lang="ru-RU"/>
           </a:p>
@@ -2969,7 +2976,7 @@
           <a:p>
             <a:fld id="{0675EEA7-623D-427D-91C8-C2125ACECAC0}" type="datetimeFigureOut">
               <a:rPr lang="ru-RU" smtClean="0"/>
-              <a:t>17.01.2022</a:t>
+              <a:t>26.02.2022</a:t>
             </a:fld>
             <a:endParaRPr lang="ru-RU"/>
           </a:p>
@@ -3216,7 +3223,7 @@
           <a:p>
             <a:fld id="{0675EEA7-623D-427D-91C8-C2125ACECAC0}" type="datetimeFigureOut">
               <a:rPr lang="ru-RU" smtClean="0"/>
-              <a:t>17.01.2022</a:t>
+              <a:t>26.02.2022</a:t>
             </a:fld>
             <a:endParaRPr lang="ru-RU"/>
           </a:p>
@@ -3448,7 +3455,7 @@
           <a:p>
             <a:fld id="{0675EEA7-623D-427D-91C8-C2125ACECAC0}" type="datetimeFigureOut">
               <a:rPr lang="ru-RU" smtClean="0"/>
-              <a:t>17.01.2022</a:t>
+              <a:t>26.02.2022</a:t>
             </a:fld>
             <a:endParaRPr lang="ru-RU"/>
           </a:p>
@@ -3822,7 +3829,7 @@
           <a:p>
             <a:fld id="{0675EEA7-623D-427D-91C8-C2125ACECAC0}" type="datetimeFigureOut">
               <a:rPr lang="ru-RU" smtClean="0"/>
-              <a:t>17.01.2022</a:t>
+              <a:t>26.02.2022</a:t>
             </a:fld>
             <a:endParaRPr lang="ru-RU"/>
           </a:p>
@@ -3945,7 +3952,7 @@
           <a:p>
             <a:fld id="{0675EEA7-623D-427D-91C8-C2125ACECAC0}" type="datetimeFigureOut">
               <a:rPr lang="ru-RU" smtClean="0"/>
-              <a:t>17.01.2022</a:t>
+              <a:t>26.02.2022</a:t>
             </a:fld>
             <a:endParaRPr lang="ru-RU"/>
           </a:p>
@@ -4040,7 +4047,7 @@
           <a:p>
             <a:fld id="{0675EEA7-623D-427D-91C8-C2125ACECAC0}" type="datetimeFigureOut">
               <a:rPr lang="ru-RU" smtClean="0"/>
-              <a:t>17.01.2022</a:t>
+              <a:t>26.02.2022</a:t>
             </a:fld>
             <a:endParaRPr lang="ru-RU"/>
           </a:p>
@@ -4295,7 +4302,7 @@
           <a:p>
             <a:fld id="{0675EEA7-623D-427D-91C8-C2125ACECAC0}" type="datetimeFigureOut">
               <a:rPr lang="ru-RU" smtClean="0"/>
-              <a:t>17.01.2022</a:t>
+              <a:t>26.02.2022</a:t>
             </a:fld>
             <a:endParaRPr lang="ru-RU"/>
           </a:p>
@@ -4558,7 +4565,7 @@
           <a:p>
             <a:fld id="{0675EEA7-623D-427D-91C8-C2125ACECAC0}" type="datetimeFigureOut">
               <a:rPr lang="ru-RU" smtClean="0"/>
-              <a:t>17.01.2022</a:t>
+              <a:t>26.02.2022</a:t>
             </a:fld>
             <a:endParaRPr lang="ru-RU"/>
           </a:p>
@@ -5301,7 +5308,7 @@
           <a:p>
             <a:fld id="{0675EEA7-623D-427D-91C8-C2125ACECAC0}" type="datetimeFigureOut">
               <a:rPr lang="ru-RU" smtClean="0"/>
-              <a:t>17.01.2022</a:t>
+              <a:t>26.02.2022</a:t>
             </a:fld>
             <a:endParaRPr lang="ru-RU"/>
           </a:p>
@@ -5835,7 +5842,12 @@
             <p:ph type="ctrTitle"/>
           </p:nvPr>
         </p:nvSpPr>
-        <p:spPr/>
+        <p:spPr>
+          <a:xfrm>
+            <a:off x="1507067" y="418979"/>
+            <a:ext cx="7766936" cy="1646302"/>
+          </a:xfrm>
+        </p:spPr>
         <p:txBody>
           <a:bodyPr/>
           <a:lstStyle/>
@@ -5844,6 +5856,29 @@
               <a:rPr lang="ru-RU" dirty="0" err="1" smtClean="0"/>
               <a:t>Платформер</a:t>
             </a:r>
+            <a:r>
+              <a:rPr lang="en-US" dirty="0" smtClean="0"/>
+              <a:t/>
+            </a:r>
+            <a:br>
+              <a:rPr lang="en-US" dirty="0" smtClean="0"/>
+            </a:br>
+            <a:r>
+              <a:rPr lang="ru-RU" dirty="0" smtClean="0"/>
+              <a:t> </a:t>
+            </a:r>
+            <a:r>
+              <a:rPr lang="en-US" dirty="0" smtClean="0"/>
+              <a:t>2D </a:t>
+            </a:r>
+            <a:r>
+              <a:rPr lang="en-US" dirty="0" err="1"/>
+              <a:t>P</a:t>
+            </a:r>
+            <a:r>
+              <a:rPr lang="en-US" dirty="0" err="1" smtClean="0"/>
+              <a:t>arkourist</a:t>
+            </a:r>
             <a:endParaRPr lang="ru-RU" dirty="0"/>
           </a:p>
         </p:txBody>
@@ -5863,10 +5898,44 @@
           <a:bodyPr/>
           <a:lstStyle/>
           <a:p>
-            <a:endParaRPr lang="ru-RU"/>
-          </a:p>
-        </p:txBody>
-      </p:sp>
+            <a:r>
+              <a:rPr lang="ru-RU" dirty="0" smtClean="0"/>
+              <a:t>Создатель:</a:t>
+            </a:r>
+          </a:p>
+          <a:p>
+            <a:r>
+              <a:rPr lang="ru-RU" dirty="0" smtClean="0"/>
+              <a:t>Матюхин Дмитрий</a:t>
+            </a:r>
+            <a:endParaRPr lang="ru-RU" dirty="0"/>
+          </a:p>
+        </p:txBody>
+      </p:sp>
+      <p:pic>
+        <p:nvPicPr>
+          <p:cNvPr id="5" name="Рисунок 4"/>
+          <p:cNvPicPr>
+            <a:picLocks noChangeAspect="1"/>
+          </p:cNvPicPr>
+          <p:nvPr/>
+        </p:nvPicPr>
+        <p:blipFill>
+          <a:blip r:embed="rId2"/>
+          <a:stretch>
+            <a:fillRect/>
+          </a:stretch>
+        </p:blipFill>
+        <p:spPr>
+          <a:xfrm>
+            <a:off x="578167" y="1375832"/>
+            <a:ext cx="4086225" cy="3771900"/>
+          </a:xfrm>
+          <a:prstGeom prst="rect">
+            <a:avLst/>
+          </a:prstGeom>
+        </p:spPr>
+      </p:pic>
     </p:spTree>
     <p:extLst>
       <p:ext uri="{BB962C8B-B14F-4D97-AF65-F5344CB8AC3E}">
@@ -5877,6 +5946,13 @@
   <p:clrMapOvr>
     <a:masterClrMapping/>
   </p:clrMapOvr>
+  <p:timing>
+    <p:tnLst>
+      <p:par>
+        <p:cTn id="1" dur="indefinite" restart="never" nodeType="tmRoot"/>
+      </p:par>
+    </p:tnLst>
+  </p:timing>
 </p:sld>
 </file>
 
@@ -5919,7 +5995,43 @@
           <a:p>
             <a:r>
               <a:rPr lang="ru-RU" dirty="0" smtClean="0"/>
-              <a:t>Игровой процесс</a:t>
+              <a:t>Введение</a:t>
+            </a:r>
+            <a:endParaRPr lang="ru-RU" dirty="0"/>
+          </a:p>
+        </p:txBody>
+      </p:sp>
+      <p:sp>
+        <p:nvSpPr>
+          <p:cNvPr id="3" name="Объект 2"/>
+          <p:cNvSpPr>
+            <a:spLocks noGrp="1"/>
+          </p:cNvSpPr>
+          <p:nvPr>
+            <p:ph idx="1"/>
+          </p:nvPr>
+        </p:nvSpPr>
+        <p:spPr>
+          <a:xfrm>
+            <a:off x="677334" y="2160589"/>
+            <a:ext cx="4852609" cy="3880773"/>
+          </a:xfrm>
+        </p:spPr>
+        <p:txBody>
+          <a:bodyPr/>
+          <a:lstStyle/>
+          <a:p>
+            <a:r>
+              <a:rPr lang="ru-RU" dirty="0" smtClean="0"/>
+              <a:t>Моя игра представляет собой </a:t>
+            </a:r>
+            <a:r>
+              <a:rPr lang="ru-RU" dirty="0" err="1" smtClean="0"/>
+              <a:t>платформер</a:t>
+            </a:r>
+            <a:r>
+              <a:rPr lang="ru-RU" dirty="0" smtClean="0"/>
+              <a:t>, целью игрока в котором является найти дорогу до финиша. После прохождения одного уровня, игроку открывается следующий</a:t>
             </a:r>
             <a:endParaRPr lang="ru-RU" dirty="0"/>
           </a:p>
@@ -5927,13 +6039,11 @@
       </p:sp>
       <p:pic>
         <p:nvPicPr>
-          <p:cNvPr id="4" name="Объект 3"/>
+          <p:cNvPr id="5" name="Рисунок 4"/>
           <p:cNvPicPr>
-            <a:picLocks noGrp="1" noChangeAspect="1"/>
+            <a:picLocks noChangeAspect="1"/>
           </p:cNvPicPr>
-          <p:nvPr>
-            <p:ph idx="1"/>
-          </p:nvPr>
+          <p:nvPr/>
         </p:nvPicPr>
         <p:blipFill>
           <a:blip r:embed="rId2"/>
@@ -5943,8 +6053,8 @@
         </p:blipFill>
         <p:spPr>
           <a:xfrm>
-            <a:off x="708262" y="1018289"/>
-            <a:ext cx="9724607" cy="5467874"/>
+            <a:off x="6587897" y="1192720"/>
+            <a:ext cx="4676775" cy="4562475"/>
           </a:xfrm>
           <a:prstGeom prst="rect">
             <a:avLst/>
@@ -5955,6 +6065,337 @@
     <p:extLst>
       <p:ext uri="{BB962C8B-B14F-4D97-AF65-F5344CB8AC3E}">
         <p14:creationId xmlns:p14="http://schemas.microsoft.com/office/powerpoint/2010/main" val="3765026691"/>
+      </p:ext>
+    </p:extLst>
+  </p:cSld>
+  <p:clrMapOvr>
+    <a:masterClrMapping/>
+  </p:clrMapOvr>
+  <p:timing>
+    <p:tnLst>
+      <p:par>
+        <p:cTn id="1" dur="indefinite" restart="never" nodeType="tmRoot"/>
+      </p:par>
+    </p:tnLst>
+  </p:timing>
+</p:sld>
+</file>
+
+<file path=ppt/slides/slide3.xml><?xml version="1.0" encoding="utf-8"?>
+<p:sld xmlns:a="http://schemas.openxmlformats.org/drawingml/2006/main" xmlns:r="http://schemas.openxmlformats.org/officeDocument/2006/relationships" xmlns:p="http://schemas.openxmlformats.org/presentationml/2006/main">
+  <p:cSld>
+    <p:spTree>
+      <p:nvGrpSpPr>
+        <p:cNvPr id="1" name=""/>
+        <p:cNvGrpSpPr/>
+        <p:nvPr/>
+      </p:nvGrpSpPr>
+      <p:grpSpPr>
+        <a:xfrm>
+          <a:off x="0" y="0"/>
+          <a:ext cx="0" cy="0"/>
+          <a:chOff x="0" y="0"/>
+          <a:chExt cx="0" cy="0"/>
+        </a:xfrm>
+      </p:grpSpPr>
+      <p:sp>
+        <p:nvSpPr>
+          <p:cNvPr id="2" name="Заголовок 1"/>
+          <p:cNvSpPr>
+            <a:spLocks noGrp="1"/>
+          </p:cNvSpPr>
+          <p:nvPr>
+            <p:ph type="title"/>
+          </p:nvPr>
+        </p:nvSpPr>
+        <p:spPr/>
+        <p:txBody>
+          <a:bodyPr/>
+          <a:lstStyle/>
+          <a:p>
+            <a:r>
+              <a:rPr lang="ru-RU" dirty="0" smtClean="0"/>
+              <a:t>Реализация</a:t>
+            </a:r>
+            <a:endParaRPr lang="ru-RU" dirty="0"/>
+          </a:p>
+        </p:txBody>
+      </p:sp>
+      <p:sp>
+        <p:nvSpPr>
+          <p:cNvPr id="3" name="Объект 2"/>
+          <p:cNvSpPr>
+            <a:spLocks noGrp="1"/>
+          </p:cNvSpPr>
+          <p:nvPr>
+            <p:ph idx="1"/>
+          </p:nvPr>
+        </p:nvSpPr>
+        <p:spPr>
+          <a:xfrm>
+            <a:off x="677334" y="2160589"/>
+            <a:ext cx="5653797" cy="3880773"/>
+          </a:xfrm>
+        </p:spPr>
+        <p:txBody>
+          <a:bodyPr/>
+          <a:lstStyle/>
+          <a:p>
+            <a:r>
+              <a:rPr lang="ru-RU" dirty="0" smtClean="0"/>
+              <a:t>В основном проект написан с использованием ООП и подразумевает максимальное использование встроенных средств </a:t>
+            </a:r>
+            <a:r>
+              <a:rPr lang="en-US" dirty="0" err="1" smtClean="0"/>
+              <a:t>pygame</a:t>
+            </a:r>
+            <a:r>
+              <a:rPr lang="en-US" dirty="0" smtClean="0"/>
+              <a:t>. </a:t>
+            </a:r>
+            <a:r>
+              <a:rPr lang="ru-RU" dirty="0" smtClean="0"/>
+              <a:t>Таковыми являются спрайты </a:t>
+            </a:r>
+            <a:r>
+              <a:rPr lang="en-US" dirty="0" err="1" smtClean="0"/>
+              <a:t>pygame.sprite.Sprite</a:t>
+            </a:r>
+            <a:r>
+              <a:rPr lang="en-US" dirty="0" smtClean="0"/>
+              <a:t>, </a:t>
+            </a:r>
+            <a:r>
+              <a:rPr lang="ru-RU" dirty="0" smtClean="0"/>
+              <a:t>события</a:t>
+            </a:r>
+            <a:r>
+              <a:rPr lang="en-US" dirty="0" smtClean="0"/>
+              <a:t> </a:t>
+            </a:r>
+            <a:r>
+              <a:rPr lang="en-US" dirty="0" err="1" smtClean="0"/>
+              <a:t>pg.event.Event</a:t>
+            </a:r>
+            <a:r>
+              <a:rPr lang="ru-RU" dirty="0" smtClean="0"/>
+              <a:t> и т.д.</a:t>
+            </a:r>
+          </a:p>
+          <a:p>
+            <a:r>
+              <a:rPr lang="ru-RU" dirty="0" smtClean="0"/>
+              <a:t>Среди самобытных классов – </a:t>
+            </a:r>
+            <a:r>
+              <a:rPr lang="en-US" dirty="0" err="1" smtClean="0"/>
+              <a:t>SceneAggregator</a:t>
+            </a:r>
+            <a:r>
+              <a:rPr lang="en-US" dirty="0" smtClean="0"/>
+              <a:t> – </a:t>
+            </a:r>
+            <a:r>
+              <a:rPr lang="ru-RU" dirty="0" smtClean="0"/>
+              <a:t>менеджер сцен, </a:t>
+            </a:r>
+            <a:r>
+              <a:rPr lang="en-US" dirty="0" err="1" smtClean="0"/>
+              <a:t>MetaScene</a:t>
+            </a:r>
+            <a:r>
+              <a:rPr lang="en-US" dirty="0" smtClean="0"/>
+              <a:t> – </a:t>
+            </a:r>
+            <a:r>
+              <a:rPr lang="ru-RU" dirty="0" smtClean="0"/>
+              <a:t>игровая сцена, всевозможные </a:t>
+            </a:r>
+            <a:r>
+              <a:rPr lang="ru-RU" dirty="0" err="1" smtClean="0"/>
+              <a:t>виджеты</a:t>
+            </a:r>
+            <a:r>
+              <a:rPr lang="ru-RU" dirty="0" smtClean="0"/>
+              <a:t>.</a:t>
+            </a:r>
+          </a:p>
+          <a:p>
+            <a:r>
+              <a:rPr lang="ru-RU" dirty="0" smtClean="0"/>
+              <a:t>Для загрузки уровней была использована библиотека </a:t>
+            </a:r>
+            <a:r>
+              <a:rPr lang="en-US" dirty="0" err="1" smtClean="0"/>
+              <a:t>pytmx</a:t>
+            </a:r>
+            <a:r>
+              <a:rPr lang="en-US" dirty="0" smtClean="0"/>
+              <a:t>.</a:t>
+            </a:r>
+            <a:r>
+              <a:rPr lang="ru-RU" dirty="0" smtClean="0"/>
+              <a:t> Те же самые уровни создавались в </a:t>
+            </a:r>
+            <a:r>
+              <a:rPr lang="en-US" dirty="0" err="1" smtClean="0"/>
+              <a:t>TiledMapEditor</a:t>
+            </a:r>
+            <a:endParaRPr lang="ru-RU" dirty="0" smtClean="0"/>
+          </a:p>
+        </p:txBody>
+      </p:sp>
+      <p:pic>
+        <p:nvPicPr>
+          <p:cNvPr id="4" name="Рисунок 3"/>
+          <p:cNvPicPr>
+            <a:picLocks noChangeAspect="1"/>
+          </p:cNvPicPr>
+          <p:nvPr/>
+        </p:nvPicPr>
+        <p:blipFill>
+          <a:blip r:embed="rId2"/>
+          <a:stretch>
+            <a:fillRect/>
+          </a:stretch>
+        </p:blipFill>
+        <p:spPr>
+          <a:xfrm>
+            <a:off x="7185388" y="1307437"/>
+            <a:ext cx="3638550" cy="4733925"/>
+          </a:xfrm>
+          <a:prstGeom prst="rect">
+            <a:avLst/>
+          </a:prstGeom>
+        </p:spPr>
+      </p:pic>
+    </p:spTree>
+    <p:extLst>
+      <p:ext uri="{BB962C8B-B14F-4D97-AF65-F5344CB8AC3E}">
+        <p14:creationId xmlns:p14="http://schemas.microsoft.com/office/powerpoint/2010/main" val="1154230971"/>
+      </p:ext>
+    </p:extLst>
+  </p:cSld>
+  <p:clrMapOvr>
+    <a:masterClrMapping/>
+  </p:clrMapOvr>
+</p:sld>
+</file>
+
+<file path=ppt/slides/slide4.xml><?xml version="1.0" encoding="utf-8"?>
+<p:sld xmlns:a="http://schemas.openxmlformats.org/drawingml/2006/main" xmlns:r="http://schemas.openxmlformats.org/officeDocument/2006/relationships" xmlns:p="http://schemas.openxmlformats.org/presentationml/2006/main">
+  <p:cSld>
+    <p:spTree>
+      <p:nvGrpSpPr>
+        <p:cNvPr id="1" name=""/>
+        <p:cNvGrpSpPr/>
+        <p:nvPr/>
+      </p:nvGrpSpPr>
+      <p:grpSpPr>
+        <a:xfrm>
+          <a:off x="0" y="0"/>
+          <a:ext cx="0" cy="0"/>
+          <a:chOff x="0" y="0"/>
+          <a:chExt cx="0" cy="0"/>
+        </a:xfrm>
+      </p:grpSpPr>
+      <p:sp>
+        <p:nvSpPr>
+          <p:cNvPr id="2" name="Заголовок 1"/>
+          <p:cNvSpPr>
+            <a:spLocks noGrp="1"/>
+          </p:cNvSpPr>
+          <p:nvPr>
+            <p:ph type="title"/>
+          </p:nvPr>
+        </p:nvSpPr>
+        <p:spPr/>
+        <p:txBody>
+          <a:bodyPr/>
+          <a:lstStyle/>
+          <a:p>
+            <a:r>
+              <a:rPr lang="ru-RU" dirty="0" smtClean="0"/>
+              <a:t>Заключение</a:t>
+            </a:r>
+            <a:endParaRPr lang="ru-RU" dirty="0"/>
+          </a:p>
+        </p:txBody>
+      </p:sp>
+      <p:sp>
+        <p:nvSpPr>
+          <p:cNvPr id="3" name="Объект 2"/>
+          <p:cNvSpPr>
+            <a:spLocks noGrp="1"/>
+          </p:cNvSpPr>
+          <p:nvPr>
+            <p:ph idx="1"/>
+          </p:nvPr>
+        </p:nvSpPr>
+        <p:spPr/>
+        <p:txBody>
+          <a:bodyPr/>
+          <a:lstStyle/>
+          <a:p>
+            <a:r>
+              <a:rPr lang="ru-RU" dirty="0" smtClean="0"/>
+              <a:t>Я считаю, что игра получилось неплохой, также это подтверждается отзывами моих знакомых.</a:t>
+            </a:r>
+          </a:p>
+          <a:p>
+            <a:r>
+              <a:rPr lang="ru-RU" dirty="0" smtClean="0"/>
+              <a:t>Из возможных путей развития можно наверно выделить </a:t>
+            </a:r>
+          </a:p>
+          <a:p>
+            <a:pPr>
+              <a:buAutoNum type="arabicParenR"/>
+            </a:pPr>
+            <a:r>
+              <a:rPr lang="ru-RU" dirty="0" smtClean="0"/>
+              <a:t>Добавление новых механик</a:t>
+            </a:r>
+          </a:p>
+          <a:p>
+            <a:pPr>
+              <a:buAutoNum type="arabicParenR"/>
+            </a:pPr>
+            <a:r>
+              <a:rPr lang="ru-RU" dirty="0" smtClean="0"/>
+              <a:t>Добавление новых игровых объектов</a:t>
+            </a:r>
+          </a:p>
+          <a:p>
+            <a:pPr>
+              <a:buAutoNum type="arabicParenR"/>
+            </a:pPr>
+            <a:r>
+              <a:rPr lang="ru-RU" dirty="0" smtClean="0"/>
+              <a:t>Реализация </a:t>
+            </a:r>
+            <a:r>
+              <a:rPr lang="ru-RU" dirty="0" err="1" smtClean="0"/>
+              <a:t>мультиплеера</a:t>
+            </a:r>
+            <a:endParaRPr lang="ru-RU" dirty="0" smtClean="0"/>
+          </a:p>
+          <a:p>
+            <a:pPr>
+              <a:buAutoNum type="arabicParenR"/>
+            </a:pPr>
+            <a:r>
+              <a:rPr lang="ru-RU" dirty="0" smtClean="0"/>
+              <a:t>Создание более сложных уровней</a:t>
+            </a:r>
+            <a:endParaRPr lang="ru-RU" dirty="0"/>
+          </a:p>
+        </p:txBody>
+      </p:sp>
+    </p:spTree>
+    <p:extLst>
+      <p:ext uri="{BB962C8B-B14F-4D97-AF65-F5344CB8AC3E}">
+        <p14:creationId xmlns:p14="http://schemas.microsoft.com/office/powerpoint/2010/main" val="662196339"/>
       </p:ext>
     </p:extLst>
   </p:cSld>
